--- a/Presentation.pptx
+++ b/Presentation.pptx
@@ -11,9 +11,10 @@
     <p:sldId id="267" r:id="rId5"/>
     <p:sldId id="268" r:id="rId6"/>
     <p:sldId id="269" r:id="rId7"/>
-    <p:sldId id="270" r:id="rId8"/>
-    <p:sldId id="271" r:id="rId9"/>
-    <p:sldId id="266" r:id="rId10"/>
+    <p:sldId id="272" r:id="rId8"/>
+    <p:sldId id="270" r:id="rId9"/>
+    <p:sldId id="271" r:id="rId10"/>
+    <p:sldId id="266" r:id="rId11"/>
   </p:sldIdLst>
   <p:sldSz cx="12192000" cy="6858000"/>
   <p:notesSz cx="6858000" cy="9144000"/>
@@ -7706,6 +7707,71 @@
 </p:sld>
 </file>
 
+<file path=ppt/slides/slide10.xml><?xml version="1.0" encoding="utf-8"?>
+<p:sld xmlns:a="http://schemas.openxmlformats.org/drawingml/2006/main" xmlns:r="http://schemas.openxmlformats.org/officeDocument/2006/relationships" xmlns:p="http://schemas.openxmlformats.org/presentationml/2006/main">
+  <p:cSld>
+    <p:spTree>
+      <p:nvGrpSpPr>
+        <p:cNvPr id="1" name=""/>
+        <p:cNvGrpSpPr/>
+        <p:nvPr/>
+      </p:nvGrpSpPr>
+      <p:grpSpPr>
+        <a:xfrm>
+          <a:off x="0" y="0"/>
+          <a:ext cx="0" cy="0"/>
+          <a:chOff x="0" y="0"/>
+          <a:chExt cx="0" cy="0"/>
+        </a:xfrm>
+      </p:grpSpPr>
+      <p:sp>
+        <p:nvSpPr>
+          <p:cNvPr id="2" name="Title 1">
+            <a:extLst>
+              <a:ext uri="{FF2B5EF4-FFF2-40B4-BE49-F238E27FC236}">
+                <a16:creationId xmlns:a16="http://schemas.microsoft.com/office/drawing/2014/main" id="{FF6DEB9F-AC3C-7140-9699-84F2B7441EA2}"/>
+              </a:ext>
+            </a:extLst>
+          </p:cNvPr>
+          <p:cNvSpPr>
+            <a:spLocks noGrp="1"/>
+          </p:cNvSpPr>
+          <p:nvPr>
+            <p:ph type="title"/>
+          </p:nvPr>
+        </p:nvSpPr>
+        <p:spPr>
+          <a:xfrm>
+            <a:off x="3493470" y="2741521"/>
+            <a:ext cx="8911687" cy="1280890"/>
+          </a:xfrm>
+        </p:spPr>
+        <p:txBody>
+          <a:bodyPr>
+            <a:normAutofit/>
+          </a:bodyPr>
+          <a:lstStyle/>
+          <a:p>
+            <a:r>
+              <a:rPr lang="en-US" sz="5400" dirty="0"/>
+              <a:t>THANK YOU !</a:t>
+            </a:r>
+          </a:p>
+        </p:txBody>
+      </p:sp>
+    </p:spTree>
+    <p:extLst>
+      <p:ext uri="{BB962C8B-B14F-4D97-AF65-F5344CB8AC3E}">
+        <p14:creationId xmlns:p14="http://schemas.microsoft.com/office/powerpoint/2010/main" val="1151729943"/>
+      </p:ext>
+    </p:extLst>
+  </p:cSld>
+  <p:clrMapOvr>
+    <a:masterClrMapping/>
+  </p:clrMapOvr>
+</p:sld>
+</file>
+
 <file path=ppt/slides/slide2.xml><?xml version="1.0" encoding="utf-8"?>
 <p:sld xmlns:a="http://schemas.openxmlformats.org/drawingml/2006/main" xmlns:r="http://schemas.openxmlformats.org/officeDocument/2006/relationships" xmlns:p="http://schemas.openxmlformats.org/presentationml/2006/main">
   <p:cSld>
@@ -8894,7 +8960,7 @@
           <a:graphicData uri="http://schemas.openxmlformats.org/presentationml/2006/ole">
             <mc:AlternateContent xmlns:mc="http://schemas.openxmlformats.org/markup-compatibility/2006">
               <mc:Choice xmlns:v="urn:schemas-microsoft-com:vml" Requires="v">
-                <p:oleObj spid="_x0000_s1026" name="Worksheet" showAsIcon="1" r:id="rId4" imgW="965200" imgH="609600" progId="Excel.Sheet.12">
+                <p:oleObj spid="_x0000_s1028" name="Worksheet" showAsIcon="1" r:id="rId4" imgW="965200" imgH="609600" progId="Excel.Sheet.12">
                   <p:embed/>
                 </p:oleObj>
               </mc:Choice>
@@ -9775,7 +9841,7 @@
           <a:graphicData uri="http://schemas.openxmlformats.org/presentationml/2006/ole">
             <mc:AlternateContent xmlns:mc="http://schemas.openxmlformats.org/markup-compatibility/2006">
               <mc:Choice xmlns:v="urn:schemas-microsoft-com:vml" Requires="v">
-                <p:oleObj spid="_x0000_s2050" name="Worksheet" showAsIcon="1" r:id="rId4" imgW="965200" imgH="609600" progId="Excel.Sheet.12">
+                <p:oleObj spid="_x0000_s2052" name="Worksheet" showAsIcon="1" r:id="rId4" imgW="965200" imgH="609600" progId="Excel.Sheet.12">
                   <p:embed/>
                 </p:oleObj>
               </mc:Choice>
@@ -10234,7 +10300,7 @@
                 <a:latin typeface="Times New Roman" panose="02020603050405020304" pitchFamily="18" charset="0"/>
                 <a:cs typeface="Times New Roman" panose="02020603050405020304" pitchFamily="18" charset="0"/>
               </a:rPr>
-              <a:t>Kết</a:t>
+              <a:t>Tiến</a:t>
             </a:r>
             <a:r>
               <a:rPr lang="en-US" sz="5400" dirty="0">
@@ -10248,7 +10314,7 @@
                 <a:latin typeface="Times New Roman" panose="02020603050405020304" pitchFamily="18" charset="0"/>
                 <a:cs typeface="Times New Roman" panose="02020603050405020304" pitchFamily="18" charset="0"/>
               </a:rPr>
-              <a:t>quả</a:t>
+              <a:t>độ</a:t>
             </a:r>
             <a:r>
               <a:rPr lang="en-US" sz="5400" dirty="0">
@@ -10262,7 +10328,7 @@
                 <a:latin typeface="Times New Roman" panose="02020603050405020304" pitchFamily="18" charset="0"/>
                 <a:cs typeface="Times New Roman" panose="02020603050405020304" pitchFamily="18" charset="0"/>
               </a:rPr>
-              <a:t>đạt</a:t>
+              <a:t>công</a:t>
             </a:r>
             <a:r>
               <a:rPr lang="en-US" sz="5400" dirty="0">
@@ -10276,7 +10342,37 @@
                 <a:latin typeface="Times New Roman" panose="02020603050405020304" pitchFamily="18" charset="0"/>
                 <a:cs typeface="Times New Roman" panose="02020603050405020304" pitchFamily="18" charset="0"/>
               </a:rPr>
-              <a:t>được</a:t>
+              <a:t>việc</a:t>
+            </a:r>
+            <a:r>
+              <a:rPr lang="en-US" sz="5400" dirty="0">
+                <a:latin typeface="Times New Roman" panose="02020603050405020304" pitchFamily="18" charset="0"/>
+                <a:cs typeface="Times New Roman" panose="02020603050405020304" pitchFamily="18" charset="0"/>
+              </a:rPr>
+              <a:t> </a:t>
+            </a:r>
+            <a:r>
+              <a:rPr lang="en-US" sz="2800" dirty="0">
+                <a:latin typeface="Times New Roman" panose="02020603050405020304" pitchFamily="18" charset="0"/>
+                <a:cs typeface="Times New Roman" panose="02020603050405020304" pitchFamily="18" charset="0"/>
+              </a:rPr>
+              <a:t>– </a:t>
+            </a:r>
+            <a:r>
+              <a:rPr lang="en-US" sz="2800" dirty="0">
+                <a:latin typeface="Times New Roman" panose="02020603050405020304" pitchFamily="18" charset="0"/>
+                <a:cs typeface="Times New Roman" panose="02020603050405020304" pitchFamily="18" charset="0"/>
+                <a:hlinkClick r:id="rId2"/>
+              </a:rPr>
+              <a:t>Link </a:t>
+            </a:r>
+            <a:r>
+              <a:rPr lang="en-US" sz="2800" dirty="0" err="1">
+                <a:latin typeface="Times New Roman" panose="02020603050405020304" pitchFamily="18" charset="0"/>
+                <a:cs typeface="Times New Roman" panose="02020603050405020304" pitchFamily="18" charset="0"/>
+                <a:hlinkClick r:id="rId2"/>
+              </a:rPr>
+              <a:t>Github</a:t>
             </a:r>
             <a:endParaRPr lang="en-US" sz="5400" dirty="0">
               <a:latin typeface="Times New Roman" panose="02020603050405020304" pitchFamily="18" charset="0"/>
@@ -10531,6 +10627,401 @@
             </a:lvl9pPr>
           </a:lstStyle>
           <a:p>
+            <a:pPr marL="457200" lvl="1" indent="0">
+              <a:buNone/>
+            </a:pPr>
+            <a:endParaRPr lang="en-US" sz="2600" dirty="0">
+              <a:latin typeface="Times New Roman" panose="02020603050405020304" pitchFamily="18" charset="0"/>
+              <a:cs typeface="Times New Roman" panose="02020603050405020304" pitchFamily="18" charset="0"/>
+            </a:endParaRPr>
+          </a:p>
+        </p:txBody>
+      </p:sp>
+      <p:pic>
+        <p:nvPicPr>
+          <p:cNvPr id="4" name="Picture 3">
+            <a:extLst>
+              <a:ext uri="{FF2B5EF4-FFF2-40B4-BE49-F238E27FC236}">
+                <a16:creationId xmlns:a16="http://schemas.microsoft.com/office/drawing/2014/main" id="{72ECDBFE-C7B0-E640-A4A2-42FF5E3D62EC}"/>
+              </a:ext>
+            </a:extLst>
+          </p:cNvPr>
+          <p:cNvPicPr>
+            <a:picLocks noChangeAspect="1"/>
+          </p:cNvPicPr>
+          <p:nvPr/>
+        </p:nvPicPr>
+        <p:blipFill>
+          <a:blip r:embed="rId3"/>
+          <a:stretch>
+            <a:fillRect/>
+          </a:stretch>
+        </p:blipFill>
+        <p:spPr>
+          <a:xfrm>
+            <a:off x="1983035" y="1706520"/>
+            <a:ext cx="9889475" cy="4527370"/>
+          </a:xfrm>
+          <a:prstGeom prst="rect">
+            <a:avLst/>
+          </a:prstGeom>
+        </p:spPr>
+      </p:pic>
+    </p:spTree>
+    <p:extLst>
+      <p:ext uri="{BB962C8B-B14F-4D97-AF65-F5344CB8AC3E}">
+        <p14:creationId xmlns:p14="http://schemas.microsoft.com/office/powerpoint/2010/main" val="333765405"/>
+      </p:ext>
+    </p:extLst>
+  </p:cSld>
+  <p:clrMapOvr>
+    <a:masterClrMapping/>
+  </p:clrMapOvr>
+</p:sld>
+</file>
+
+<file path=ppt/slides/slide8.xml><?xml version="1.0" encoding="utf-8"?>
+<p:sld xmlns:a="http://schemas.openxmlformats.org/drawingml/2006/main" xmlns:r="http://schemas.openxmlformats.org/officeDocument/2006/relationships" xmlns:p="http://schemas.openxmlformats.org/presentationml/2006/main">
+  <p:cSld>
+    <p:spTree>
+      <p:nvGrpSpPr>
+        <p:cNvPr id="1" name=""/>
+        <p:cNvGrpSpPr/>
+        <p:nvPr/>
+      </p:nvGrpSpPr>
+      <p:grpSpPr>
+        <a:xfrm>
+          <a:off x="0" y="0"/>
+          <a:ext cx="0" cy="0"/>
+          <a:chOff x="0" y="0"/>
+          <a:chExt cx="0" cy="0"/>
+        </a:xfrm>
+      </p:grpSpPr>
+      <p:sp>
+        <p:nvSpPr>
+          <p:cNvPr id="2" name="Title 1">
+            <a:extLst>
+              <a:ext uri="{FF2B5EF4-FFF2-40B4-BE49-F238E27FC236}">
+                <a16:creationId xmlns:a16="http://schemas.microsoft.com/office/drawing/2014/main" id="{FEF17F67-C45A-5E40-89F3-3DC428C14089}"/>
+              </a:ext>
+            </a:extLst>
+          </p:cNvPr>
+          <p:cNvSpPr>
+            <a:spLocks noGrp="1"/>
+          </p:cNvSpPr>
+          <p:nvPr>
+            <p:ph type="title"/>
+          </p:nvPr>
+        </p:nvSpPr>
+        <p:spPr/>
+        <p:txBody>
+          <a:bodyPr>
+            <a:normAutofit/>
+          </a:bodyPr>
+          <a:lstStyle/>
+          <a:p>
+            <a:r>
+              <a:rPr lang="en-US" sz="5400" dirty="0" err="1">
+                <a:latin typeface="Times New Roman" panose="02020603050405020304" pitchFamily="18" charset="0"/>
+                <a:cs typeface="Times New Roman" panose="02020603050405020304" pitchFamily="18" charset="0"/>
+              </a:rPr>
+              <a:t>Kết</a:t>
+            </a:r>
+            <a:r>
+              <a:rPr lang="en-US" sz="5400" dirty="0">
+                <a:latin typeface="Times New Roman" panose="02020603050405020304" pitchFamily="18" charset="0"/>
+                <a:cs typeface="Times New Roman" panose="02020603050405020304" pitchFamily="18" charset="0"/>
+              </a:rPr>
+              <a:t> </a:t>
+            </a:r>
+            <a:r>
+              <a:rPr lang="en-US" sz="5400" dirty="0" err="1">
+                <a:latin typeface="Times New Roman" panose="02020603050405020304" pitchFamily="18" charset="0"/>
+                <a:cs typeface="Times New Roman" panose="02020603050405020304" pitchFamily="18" charset="0"/>
+              </a:rPr>
+              <a:t>quả</a:t>
+            </a:r>
+            <a:r>
+              <a:rPr lang="en-US" sz="5400" dirty="0">
+                <a:latin typeface="Times New Roman" panose="02020603050405020304" pitchFamily="18" charset="0"/>
+                <a:cs typeface="Times New Roman" panose="02020603050405020304" pitchFamily="18" charset="0"/>
+              </a:rPr>
+              <a:t> </a:t>
+            </a:r>
+            <a:r>
+              <a:rPr lang="en-US" sz="5400" dirty="0" err="1">
+                <a:latin typeface="Times New Roman" panose="02020603050405020304" pitchFamily="18" charset="0"/>
+                <a:cs typeface="Times New Roman" panose="02020603050405020304" pitchFamily="18" charset="0"/>
+              </a:rPr>
+              <a:t>đạt</a:t>
+            </a:r>
+            <a:r>
+              <a:rPr lang="en-US" sz="5400" dirty="0">
+                <a:latin typeface="Times New Roman" panose="02020603050405020304" pitchFamily="18" charset="0"/>
+                <a:cs typeface="Times New Roman" panose="02020603050405020304" pitchFamily="18" charset="0"/>
+              </a:rPr>
+              <a:t> </a:t>
+            </a:r>
+            <a:r>
+              <a:rPr lang="en-US" sz="5400" dirty="0" err="1">
+                <a:latin typeface="Times New Roman" panose="02020603050405020304" pitchFamily="18" charset="0"/>
+                <a:cs typeface="Times New Roman" panose="02020603050405020304" pitchFamily="18" charset="0"/>
+              </a:rPr>
+              <a:t>được</a:t>
+            </a:r>
+            <a:endParaRPr lang="en-US" sz="5400" dirty="0">
+              <a:latin typeface="Times New Roman" panose="02020603050405020304" pitchFamily="18" charset="0"/>
+              <a:cs typeface="Times New Roman" panose="02020603050405020304" pitchFamily="18" charset="0"/>
+            </a:endParaRPr>
+          </a:p>
+        </p:txBody>
+      </p:sp>
+      <p:sp>
+        <p:nvSpPr>
+          <p:cNvPr id="8" name="Content Placeholder 2">
+            <a:extLst>
+              <a:ext uri="{FF2B5EF4-FFF2-40B4-BE49-F238E27FC236}">
+                <a16:creationId xmlns:a16="http://schemas.microsoft.com/office/drawing/2014/main" id="{9C6461FC-0630-5541-95E7-2F24AD27C68E}"/>
+              </a:ext>
+            </a:extLst>
+          </p:cNvPr>
+          <p:cNvSpPr txBox="1">
+            <a:spLocks/>
+          </p:cNvSpPr>
+          <p:nvPr/>
+        </p:nvSpPr>
+        <p:spPr>
+          <a:xfrm>
+            <a:off x="2592925" y="1905000"/>
+            <a:ext cx="8915400" cy="3777622"/>
+          </a:xfrm>
+          <a:prstGeom prst="rect">
+            <a:avLst/>
+          </a:prstGeom>
+        </p:spPr>
+        <p:txBody>
+          <a:bodyPr vert="horz" lIns="91440" tIns="45720" rIns="91440" bIns="45720" rtlCol="0">
+            <a:normAutofit/>
+          </a:bodyPr>
+          <a:lstStyle>
+            <a:lvl1pPr marL="342900" indent="-342900" algn="l" defTabSz="457200" rtl="0" eaLnBrk="1" latinLnBrk="0" hangingPunct="1">
+              <a:spcBef>
+                <a:spcPts val="1000"/>
+              </a:spcBef>
+              <a:spcAft>
+                <a:spcPts val="0"/>
+              </a:spcAft>
+              <a:buClr>
+                <a:schemeClr val="accent1"/>
+              </a:buClr>
+              <a:buFont typeface="Wingdings 3" charset="2"/>
+              <a:buChar char=""/>
+              <a:defRPr sz="1800" kern="1200">
+                <a:solidFill>
+                  <a:schemeClr val="tx1">
+                    <a:lumMod val="75000"/>
+                    <a:lumOff val="25000"/>
+                  </a:schemeClr>
+                </a:solidFill>
+                <a:latin typeface="+mn-lt"/>
+                <a:ea typeface="+mn-ea"/>
+                <a:cs typeface="+mn-cs"/>
+              </a:defRPr>
+            </a:lvl1pPr>
+            <a:lvl2pPr marL="742950" indent="-285750" algn="l" defTabSz="457200" rtl="0" eaLnBrk="1" latinLnBrk="0" hangingPunct="1">
+              <a:spcBef>
+                <a:spcPts val="1000"/>
+              </a:spcBef>
+              <a:spcAft>
+                <a:spcPts val="0"/>
+              </a:spcAft>
+              <a:buClr>
+                <a:schemeClr val="accent1"/>
+              </a:buClr>
+              <a:buFont typeface="Wingdings 3" charset="2"/>
+              <a:buChar char=""/>
+              <a:defRPr sz="1600" kern="1200">
+                <a:solidFill>
+                  <a:schemeClr val="tx1">
+                    <a:lumMod val="75000"/>
+                    <a:lumOff val="25000"/>
+                  </a:schemeClr>
+                </a:solidFill>
+                <a:latin typeface="+mn-lt"/>
+                <a:ea typeface="+mn-ea"/>
+                <a:cs typeface="+mn-cs"/>
+              </a:defRPr>
+            </a:lvl2pPr>
+            <a:lvl3pPr marL="1143000" indent="-228600" algn="l" defTabSz="457200" rtl="0" eaLnBrk="1" latinLnBrk="0" hangingPunct="1">
+              <a:spcBef>
+                <a:spcPts val="1000"/>
+              </a:spcBef>
+              <a:spcAft>
+                <a:spcPts val="0"/>
+              </a:spcAft>
+              <a:buClr>
+                <a:schemeClr val="accent1"/>
+              </a:buClr>
+              <a:buFont typeface="Wingdings 3" charset="2"/>
+              <a:buChar char=""/>
+              <a:defRPr sz="1400" kern="1200">
+                <a:solidFill>
+                  <a:schemeClr val="tx1">
+                    <a:lumMod val="75000"/>
+                    <a:lumOff val="25000"/>
+                  </a:schemeClr>
+                </a:solidFill>
+                <a:latin typeface="+mn-lt"/>
+                <a:ea typeface="+mn-ea"/>
+                <a:cs typeface="+mn-cs"/>
+              </a:defRPr>
+            </a:lvl3pPr>
+            <a:lvl4pPr marL="1600200" indent="-228600" algn="l" defTabSz="457200" rtl="0" eaLnBrk="1" latinLnBrk="0" hangingPunct="1">
+              <a:spcBef>
+                <a:spcPts val="1000"/>
+              </a:spcBef>
+              <a:spcAft>
+                <a:spcPts val="0"/>
+              </a:spcAft>
+              <a:buClr>
+                <a:schemeClr val="accent1"/>
+              </a:buClr>
+              <a:buFont typeface="Wingdings 3" charset="2"/>
+              <a:buChar char=""/>
+              <a:defRPr sz="1200" kern="1200">
+                <a:solidFill>
+                  <a:schemeClr val="tx1">
+                    <a:lumMod val="75000"/>
+                    <a:lumOff val="25000"/>
+                  </a:schemeClr>
+                </a:solidFill>
+                <a:latin typeface="+mn-lt"/>
+                <a:ea typeface="+mn-ea"/>
+                <a:cs typeface="+mn-cs"/>
+              </a:defRPr>
+            </a:lvl4pPr>
+            <a:lvl5pPr marL="2057400" indent="-228600" algn="l" defTabSz="457200" rtl="0" eaLnBrk="1" latinLnBrk="0" hangingPunct="1">
+              <a:spcBef>
+                <a:spcPts val="1000"/>
+              </a:spcBef>
+              <a:spcAft>
+                <a:spcPts val="0"/>
+              </a:spcAft>
+              <a:buClr>
+                <a:schemeClr val="accent1"/>
+              </a:buClr>
+              <a:buFont typeface="Wingdings 3" charset="2"/>
+              <a:buChar char=""/>
+              <a:defRPr sz="1200" kern="1200">
+                <a:solidFill>
+                  <a:schemeClr val="tx1">
+                    <a:lumMod val="75000"/>
+                    <a:lumOff val="25000"/>
+                  </a:schemeClr>
+                </a:solidFill>
+                <a:latin typeface="+mn-lt"/>
+                <a:ea typeface="+mn-ea"/>
+                <a:cs typeface="+mn-cs"/>
+              </a:defRPr>
+            </a:lvl5pPr>
+            <a:lvl6pPr marL="2514600" indent="-228600" algn="l" defTabSz="457200" rtl="0" eaLnBrk="1" latinLnBrk="0" hangingPunct="1">
+              <a:spcBef>
+                <a:spcPts val="1000"/>
+              </a:spcBef>
+              <a:spcAft>
+                <a:spcPts val="0"/>
+              </a:spcAft>
+              <a:buClr>
+                <a:schemeClr val="accent1"/>
+              </a:buClr>
+              <a:buFont typeface="Wingdings 3" charset="2"/>
+              <a:buChar char=""/>
+              <a:defRPr sz="1200" kern="1200">
+                <a:solidFill>
+                  <a:schemeClr val="tx1">
+                    <a:lumMod val="75000"/>
+                    <a:lumOff val="25000"/>
+                  </a:schemeClr>
+                </a:solidFill>
+                <a:latin typeface="+mn-lt"/>
+                <a:ea typeface="+mn-ea"/>
+                <a:cs typeface="+mn-cs"/>
+              </a:defRPr>
+            </a:lvl6pPr>
+            <a:lvl7pPr marL="2971800" indent="-228600" algn="l" defTabSz="457200" rtl="0" eaLnBrk="1" latinLnBrk="0" hangingPunct="1">
+              <a:spcBef>
+                <a:spcPts val="1000"/>
+              </a:spcBef>
+              <a:spcAft>
+                <a:spcPts val="0"/>
+              </a:spcAft>
+              <a:buClr>
+                <a:schemeClr val="accent1"/>
+              </a:buClr>
+              <a:buFont typeface="Wingdings 3" charset="2"/>
+              <a:buChar char=""/>
+              <a:defRPr sz="1200" kern="1200">
+                <a:solidFill>
+                  <a:schemeClr val="tx1">
+                    <a:lumMod val="75000"/>
+                    <a:lumOff val="25000"/>
+                  </a:schemeClr>
+                </a:solidFill>
+                <a:latin typeface="+mn-lt"/>
+                <a:ea typeface="+mn-ea"/>
+                <a:cs typeface="+mn-cs"/>
+              </a:defRPr>
+            </a:lvl7pPr>
+            <a:lvl8pPr marL="3429000" indent="-228600" algn="l" defTabSz="457200" rtl="0" eaLnBrk="1" latinLnBrk="0" hangingPunct="1">
+              <a:spcBef>
+                <a:spcPts val="1000"/>
+              </a:spcBef>
+              <a:spcAft>
+                <a:spcPts val="0"/>
+              </a:spcAft>
+              <a:buClr>
+                <a:schemeClr val="accent1"/>
+              </a:buClr>
+              <a:buFont typeface="Wingdings 3" charset="2"/>
+              <a:buChar char=""/>
+              <a:defRPr sz="1200" kern="1200">
+                <a:solidFill>
+                  <a:schemeClr val="tx1">
+                    <a:lumMod val="75000"/>
+                    <a:lumOff val="25000"/>
+                  </a:schemeClr>
+                </a:solidFill>
+                <a:latin typeface="+mn-lt"/>
+                <a:ea typeface="+mn-ea"/>
+                <a:cs typeface="+mn-cs"/>
+              </a:defRPr>
+            </a:lvl8pPr>
+            <a:lvl9pPr marL="3886200" indent="-228600" algn="l" defTabSz="457200" rtl="0" eaLnBrk="1" latinLnBrk="0" hangingPunct="1">
+              <a:spcBef>
+                <a:spcPts val="1000"/>
+              </a:spcBef>
+              <a:spcAft>
+                <a:spcPts val="0"/>
+              </a:spcAft>
+              <a:buClr>
+                <a:schemeClr val="accent1"/>
+              </a:buClr>
+              <a:buFont typeface="Wingdings 3" charset="2"/>
+              <a:buChar char=""/>
+              <a:defRPr sz="1200" kern="1200">
+                <a:solidFill>
+                  <a:schemeClr val="tx1">
+                    <a:lumMod val="75000"/>
+                    <a:lumOff val="25000"/>
+                  </a:schemeClr>
+                </a:solidFill>
+                <a:latin typeface="+mn-lt"/>
+                <a:ea typeface="+mn-ea"/>
+                <a:cs typeface="+mn-cs"/>
+              </a:defRPr>
+            </a:lvl9pPr>
+          </a:lstStyle>
+          <a:p>
             <a:pPr>
               <a:buFont typeface="Wingdings" pitchFamily="2" charset="2"/>
               <a:buChar char="Ø"/>
@@ -11224,7 +11715,7 @@
 </p:sld>
 </file>
 
-<file path=ppt/slides/slide8.xml><?xml version="1.0" encoding="utf-8"?>
+<file path=ppt/slides/slide9.xml><?xml version="1.0" encoding="utf-8"?>
 <p:sld xmlns:a="http://schemas.openxmlformats.org/drawingml/2006/main" xmlns:r="http://schemas.openxmlformats.org/officeDocument/2006/relationships" xmlns:p="http://schemas.openxmlformats.org/presentationml/2006/main">
   <p:cSld>
     <p:spTree>
@@ -12240,71 +12731,6 @@
     <p:extLst>
       <p:ext uri="{BB962C8B-B14F-4D97-AF65-F5344CB8AC3E}">
         <p14:creationId xmlns:p14="http://schemas.microsoft.com/office/powerpoint/2010/main" val="1052885292"/>
-      </p:ext>
-    </p:extLst>
-  </p:cSld>
-  <p:clrMapOvr>
-    <a:masterClrMapping/>
-  </p:clrMapOvr>
-</p:sld>
-</file>
-
-<file path=ppt/slides/slide9.xml><?xml version="1.0" encoding="utf-8"?>
-<p:sld xmlns:a="http://schemas.openxmlformats.org/drawingml/2006/main" xmlns:r="http://schemas.openxmlformats.org/officeDocument/2006/relationships" xmlns:p="http://schemas.openxmlformats.org/presentationml/2006/main">
-  <p:cSld>
-    <p:spTree>
-      <p:nvGrpSpPr>
-        <p:cNvPr id="1" name=""/>
-        <p:cNvGrpSpPr/>
-        <p:nvPr/>
-      </p:nvGrpSpPr>
-      <p:grpSpPr>
-        <a:xfrm>
-          <a:off x="0" y="0"/>
-          <a:ext cx="0" cy="0"/>
-          <a:chOff x="0" y="0"/>
-          <a:chExt cx="0" cy="0"/>
-        </a:xfrm>
-      </p:grpSpPr>
-      <p:sp>
-        <p:nvSpPr>
-          <p:cNvPr id="2" name="Title 1">
-            <a:extLst>
-              <a:ext uri="{FF2B5EF4-FFF2-40B4-BE49-F238E27FC236}">
-                <a16:creationId xmlns:a16="http://schemas.microsoft.com/office/drawing/2014/main" id="{FF6DEB9F-AC3C-7140-9699-84F2B7441EA2}"/>
-              </a:ext>
-            </a:extLst>
-          </p:cNvPr>
-          <p:cNvSpPr>
-            <a:spLocks noGrp="1"/>
-          </p:cNvSpPr>
-          <p:nvPr>
-            <p:ph type="title"/>
-          </p:nvPr>
-        </p:nvSpPr>
-        <p:spPr>
-          <a:xfrm>
-            <a:off x="3493470" y="2741521"/>
-            <a:ext cx="8911687" cy="1280890"/>
-          </a:xfrm>
-        </p:spPr>
-        <p:txBody>
-          <a:bodyPr>
-            <a:normAutofit/>
-          </a:bodyPr>
-          <a:lstStyle/>
-          <a:p>
-            <a:r>
-              <a:rPr lang="en-US" sz="5400" dirty="0"/>
-              <a:t>THANK YOU !</a:t>
-            </a:r>
-          </a:p>
-        </p:txBody>
-      </p:sp>
-    </p:spTree>
-    <p:extLst>
-      <p:ext uri="{BB962C8B-B14F-4D97-AF65-F5344CB8AC3E}">
-        <p14:creationId xmlns:p14="http://schemas.microsoft.com/office/powerpoint/2010/main" val="1151729943"/>
       </p:ext>
     </p:extLst>
   </p:cSld>
